--- a/presentations/ep1000_cad/ep1000_cad.pptx
+++ b/presentations/ep1000_cad/ep1000_cad.pptx
@@ -206,7 +206,7 @@
           <a:p>
             <a:fld id="{2A875741-58CA-43A4-9946-B635E52C5CD8}" type="datetimeFigureOut">
               <a:rPr lang="en-US" smtClean="0"/>
-              <a:t>11/7/2021</a:t>
+              <a:t>11/8/2021</a:t>
             </a:fld>
             <a:endParaRPr lang="en-US"/>
           </a:p>
@@ -616,7 +616,7 @@
           <a:p>
             <a:fld id="{9665C769-D7C3-4E51-9622-EB882B1C6B88}" type="datetime1">
               <a:rPr lang="en-US" smtClean="0"/>
-              <a:t>11/7/2021</a:t>
+              <a:t>11/8/2021</a:t>
             </a:fld>
             <a:endParaRPr lang="en-US"/>
           </a:p>
@@ -810,7 +810,7 @@
           <a:p>
             <a:fld id="{AC2FA8F2-92AD-4DF3-BB80-1A576E4607C5}" type="datetime1">
               <a:rPr lang="en-US" smtClean="0"/>
-              <a:t>11/7/2021</a:t>
+              <a:t>11/8/2021</a:t>
             </a:fld>
             <a:endParaRPr lang="en-US"/>
           </a:p>
@@ -1009,7 +1009,7 @@
           <a:p>
             <a:fld id="{FF161318-0D48-4B52-BC2D-A0EA8E79725D}" type="datetime1">
               <a:rPr lang="en-US" smtClean="0"/>
-              <a:t>11/7/2021</a:t>
+              <a:t>11/8/2021</a:t>
             </a:fld>
             <a:endParaRPr lang="en-US"/>
           </a:p>
@@ -1203,7 +1203,7 @@
           <a:p>
             <a:fld id="{828929F4-2E32-48E9-8E95-ABAA8EAAF6A9}" type="datetime1">
               <a:rPr lang="en-US" smtClean="0"/>
-              <a:t>11/7/2021</a:t>
+              <a:t>11/8/2021</a:t>
             </a:fld>
             <a:endParaRPr lang="en-US"/>
           </a:p>
@@ -1466,7 +1466,7 @@
           <a:p>
             <a:fld id="{4D668969-C21F-428C-9E53-8D921FF4543A}" type="datetime1">
               <a:rPr lang="en-US" smtClean="0"/>
-              <a:t>11/7/2021</a:t>
+              <a:t>11/8/2021</a:t>
             </a:fld>
             <a:endParaRPr lang="en-US"/>
           </a:p>
@@ -1720,7 +1720,7 @@
           <a:p>
             <a:fld id="{01FB22A5-6159-4D69-BFEE-F4892803599C}" type="datetime1">
               <a:rPr lang="en-US" smtClean="0"/>
-              <a:t>11/7/2021</a:t>
+              <a:t>11/8/2021</a:t>
             </a:fld>
             <a:endParaRPr lang="en-US"/>
           </a:p>
@@ -2114,7 +2114,7 @@
           <a:p>
             <a:fld id="{738CC944-9765-440C-9A18-3DC1DA37440E}" type="datetime1">
               <a:rPr lang="en-US" smtClean="0"/>
-              <a:t>11/7/2021</a:t>
+              <a:t>11/8/2021</a:t>
             </a:fld>
             <a:endParaRPr lang="en-US"/>
           </a:p>
@@ -2248,7 +2248,7 @@
           <a:p>
             <a:fld id="{D8661C67-BB8E-4D16-A78D-460AAF94A53C}" type="datetime1">
               <a:rPr lang="en-US" smtClean="0"/>
-              <a:t>11/7/2021</a:t>
+              <a:t>11/8/2021</a:t>
             </a:fld>
             <a:endParaRPr lang="en-US"/>
           </a:p>
@@ -2359,7 +2359,7 @@
           <a:p>
             <a:fld id="{DBBC12E8-4105-456C-A90A-AF2362FB188F}" type="datetime1">
               <a:rPr lang="en-US" smtClean="0"/>
-              <a:t>11/7/2021</a:t>
+              <a:t>11/8/2021</a:t>
             </a:fld>
             <a:endParaRPr lang="en-US"/>
           </a:p>
@@ -2658,7 +2658,7 @@
           <a:p>
             <a:fld id="{11FD4DDA-56B2-4B92-884C-68E9C78E3003}" type="datetime1">
               <a:rPr lang="en-US" smtClean="0"/>
-              <a:t>11/7/2021</a:t>
+              <a:t>11/8/2021</a:t>
             </a:fld>
             <a:endParaRPr lang="en-US"/>
           </a:p>
@@ -2937,7 +2937,7 @@
           <a:p>
             <a:fld id="{750461B4-47C4-4F2C-98A2-225FD39D225C}" type="datetime1">
               <a:rPr lang="en-US" smtClean="0"/>
-              <a:t>11/7/2021</a:t>
+              <a:t>11/8/2021</a:t>
             </a:fld>
             <a:endParaRPr lang="en-US"/>
           </a:p>
@@ -3580,6 +3580,13 @@
   <p:clrMapOvr>
     <a:masterClrMapping/>
   </p:clrMapOvr>
+  <p:timing>
+    <p:tnLst>
+      <p:par>
+        <p:cTn id="1" dur="indefinite" restart="never" nodeType="tmRoot"/>
+      </p:par>
+    </p:tnLst>
+  </p:timing>
 </p:sld>
 </file>
 
@@ -4026,6 +4033,13 @@
   <p:clrMapOvr>
     <a:masterClrMapping/>
   </p:clrMapOvr>
+  <p:timing>
+    <p:tnLst>
+      <p:par>
+        <p:cTn id="1" dur="indefinite" restart="never" nodeType="tmRoot"/>
+      </p:par>
+    </p:tnLst>
+  </p:timing>
 </p:sld>
 </file>
 
@@ -4398,6 +4412,13 @@
   <p:clrMapOvr>
     <a:masterClrMapping/>
   </p:clrMapOvr>
+  <p:timing>
+    <p:tnLst>
+      <p:par>
+        <p:cTn id="1" dur="indefinite" restart="never" nodeType="tmRoot"/>
+      </p:par>
+    </p:tnLst>
+  </p:timing>
 </p:sld>
 </file>
 
@@ -4731,6 +4752,13 @@
   <p:clrMapOvr>
     <a:masterClrMapping/>
   </p:clrMapOvr>
+  <p:timing>
+    <p:tnLst>
+      <p:par>
+        <p:cTn id="1" dur="indefinite" restart="never" nodeType="tmRoot"/>
+      </p:par>
+    </p:tnLst>
+  </p:timing>
 </p:sld>
 </file>
 
@@ -4958,6 +4986,13 @@
   <p:clrMapOvr>
     <a:masterClrMapping/>
   </p:clrMapOvr>
+  <p:timing>
+    <p:tnLst>
+      <p:par>
+        <p:cTn id="1" dur="indefinite" restart="never" nodeType="tmRoot"/>
+      </p:par>
+    </p:tnLst>
+  </p:timing>
 </p:sld>
 </file>
 
@@ -5411,6 +5446,16 @@
             <a:pPr marL="0" indent="0" algn="l">
               <a:buNone/>
             </a:pPr>
+            <a:r>
+              <a:rPr lang="en-SG" sz="3200" b="0" i="0" dirty="0">
+                <a:solidFill>
+                  <a:srgbClr val="000000"/>
+                </a:solidFill>
+                <a:effectLst/>
+                <a:latin typeface="Yanone Kaffeesatz" panose="02000000000000000000" pitchFamily="2" charset="0"/>
+              </a:rPr>
+              <a:t/>
+            </a:r>
             <a:br>
               <a:rPr lang="en-SG" sz="3200" b="0" i="0" dirty="0">
                 <a:solidFill>
